--- a/Presentations/July15Presentation.pptx
+++ b/Presentations/July15Presentation.pptx
@@ -9,6 +9,7 @@
     <p:sldId id="257" r:id="rId3"/>
     <p:sldId id="258" r:id="rId4"/>
     <p:sldId id="259" r:id="rId5"/>
+    <p:sldId id="260" r:id="rId6"/>
   </p:sldIdLst>
   <p:sldSz cx="12192000" cy="6858000"/>
   <p:notesSz cx="6858000" cy="9144000"/>
@@ -6589,6 +6590,150 @@
 </p:sld>
 </file>
 
+<file path=ppt/slides/slide5.xml><?xml version="1.0" encoding="utf-8"?>
+<p:sld xmlns:a="http://schemas.openxmlformats.org/drawingml/2006/main" xmlns:r="http://schemas.openxmlformats.org/officeDocument/2006/relationships" xmlns:p="http://schemas.openxmlformats.org/presentationml/2006/main">
+  <p:cSld>
+    <p:spTree>
+      <p:nvGrpSpPr>
+        <p:cNvPr id="1" name=""/>
+        <p:cNvGrpSpPr/>
+        <p:nvPr/>
+      </p:nvGrpSpPr>
+      <p:grpSpPr>
+        <a:xfrm>
+          <a:off x="0" y="0"/>
+          <a:ext cx="0" cy="0"/>
+          <a:chOff x="0" y="0"/>
+          <a:chExt cx="0" cy="0"/>
+        </a:xfrm>
+      </p:grpSpPr>
+      <p:sp>
+        <p:nvSpPr>
+          <p:cNvPr id="2" name="Title 1">
+            <a:extLst>
+              <a:ext uri="{FF2B5EF4-FFF2-40B4-BE49-F238E27FC236}">
+                <a16:creationId xmlns:a16="http://schemas.microsoft.com/office/drawing/2014/main" id="{6AE2661B-5E84-4642-B228-7E62C6198BE7}"/>
+              </a:ext>
+            </a:extLst>
+          </p:cNvPr>
+          <p:cNvSpPr>
+            <a:spLocks noGrp="1"/>
+          </p:cNvSpPr>
+          <p:nvPr>
+            <p:ph type="title"/>
+          </p:nvPr>
+        </p:nvSpPr>
+        <p:spPr>
+          <a:xfrm>
+            <a:off x="838200" y="5691"/>
+            <a:ext cx="10515600" cy="779224"/>
+          </a:xfrm>
+        </p:spPr>
+        <p:txBody>
+          <a:bodyPr/>
+          <a:lstStyle/>
+          <a:p>
+            <a:pPr algn="ctr"/>
+            <a:r>
+              <a:rPr lang="en-US" b="1">
+                <a:cs typeface="Calibri Light"/>
+              </a:rPr>
+              <a:t>Materials &amp; Method</a:t>
+            </a:r>
+            <a:endParaRPr lang="en-US" dirty="0"/>
+          </a:p>
+        </p:txBody>
+      </p:sp>
+      <p:sp>
+        <p:nvSpPr>
+          <p:cNvPr id="10" name="TextBox 9">
+            <a:extLst>
+              <a:ext uri="{FF2B5EF4-FFF2-40B4-BE49-F238E27FC236}">
+                <a16:creationId xmlns:a16="http://schemas.microsoft.com/office/drawing/2014/main" id="{B8A4A27B-4604-459A-AA26-E75836BE85CF}"/>
+              </a:ext>
+            </a:extLst>
+          </p:cNvPr>
+          <p:cNvSpPr txBox="1"/>
+          <p:nvPr/>
+        </p:nvSpPr>
+        <p:spPr>
+          <a:xfrm>
+            <a:off x="842513" y="1719532"/>
+            <a:ext cx="10535728" cy="1754326"/>
+          </a:xfrm>
+          <a:prstGeom prst="rect">
+            <a:avLst/>
+          </a:prstGeom>
+          <a:noFill/>
+        </p:spPr>
+        <p:txBody>
+          <a:bodyPr rot="0" spcFirstLastPara="0" vertOverflow="overflow" horzOverflow="overflow" vert="horz" wrap="square" lIns="91440" tIns="45720" rIns="91440" bIns="45720" numCol="1" spcCol="0" rtlCol="0" fromWordArt="0" anchor="t" anchorCtr="0" forceAA="0" compatLnSpc="1">
+            <a:prstTxWarp prst="textNoShape">
+              <a:avLst/>
+            </a:prstTxWarp>
+            <a:spAutoFit/>
+          </a:bodyPr>
+          <a:lstStyle/>
+          <a:p>
+            <a:r>
+              <a:rPr lang="en-US">
+                <a:cs typeface="Calibri"/>
+              </a:rPr>
+              <a:t>Parameters/Materials:</a:t>
+            </a:r>
+          </a:p>
+          <a:p>
+            <a:r>
+              <a:rPr lang="en-US">
+                <a:cs typeface="Calibri"/>
+              </a:rPr>
+              <a:t>- Small quadcopter (40x40 cm max)</a:t>
+            </a:r>
+          </a:p>
+          <a:p>
+            <a:r>
+              <a:rPr lang="en-US">
+                <a:cs typeface="Calibri"/>
+              </a:rPr>
+              <a:t>- Fast Algorithm ()</a:t>
+            </a:r>
+          </a:p>
+          <a:p>
+            <a:r>
+              <a:rPr lang="en-US">
+                <a:cs typeface="Calibri"/>
+              </a:rPr>
+              <a:t>- Greenhouse 12 x 6 m</a:t>
+            </a:r>
+          </a:p>
+          <a:p>
+            <a:r>
+              <a:rPr lang="en-US">
+                <a:cs typeface="Calibri"/>
+              </a:rPr>
+              <a:t>- PyParrot Library</a:t>
+            </a:r>
+          </a:p>
+          <a:p>
+            <a:endParaRPr lang="en-US" dirty="0">
+              <a:cs typeface="Calibri"/>
+            </a:endParaRPr>
+          </a:p>
+        </p:txBody>
+      </p:sp>
+    </p:spTree>
+    <p:extLst>
+      <p:ext uri="{BB962C8B-B14F-4D97-AF65-F5344CB8AC3E}">
+        <p14:creationId xmlns:p14="http://schemas.microsoft.com/office/powerpoint/2010/main" val="1072838634"/>
+      </p:ext>
+    </p:extLst>
+  </p:cSld>
+  <p:clrMapOvr>
+    <a:masterClrMapping/>
+  </p:clrMapOvr>
+</p:sld>
+</file>
+
 <file path=ppt/theme/theme1.xml><?xml version="1.0" encoding="utf-8"?>
 <a:theme xmlns:a="http://schemas.openxmlformats.org/drawingml/2006/main" name="office theme">
   <a:themeElements>
